--- a/Prediccion/Predicción de la covid-19 en españa.pptx
+++ b/Prediccion/Predicción de la covid-19 en españa.pptx
@@ -374,7 +374,7 @@
           <a:p>
             <a:fld id="{AE1C196B-F0CF-4F68-9C3D-34DD046DF0A2}" type="slidenum">
               <a:rPr lang="es-ES" smtClean="0"/>
-              <a:t>‹#›</a:t>
+              <a:t>‹Nº›</a:t>
             </a:fld>
             <a:endParaRPr lang="es-ES"/>
           </a:p>
@@ -720,7 +720,7 @@
           <a:p>
             <a:fld id="{1D5A3BE4-F3AC-45CD-81F6-94565F570F9E}" type="slidenum">
               <a:rPr lang="es-ES" smtClean="0"/>
-              <a:t>‹#›</a:t>
+              <a:t>‹Nº›</a:t>
             </a:fld>
             <a:endParaRPr lang="es-ES"/>
           </a:p>
@@ -1024,7 +1024,7 @@
           <a:p>
             <a:fld id="{1D5A3BE4-F3AC-45CD-81F6-94565F570F9E}" type="slidenum">
               <a:rPr lang="es-ES" smtClean="0"/>
-              <a:t>‹#›</a:t>
+              <a:t>‹Nº›</a:t>
             </a:fld>
             <a:endParaRPr lang="es-ES"/>
           </a:p>
@@ -1204,7 +1204,7 @@
           <a:p>
             <a:fld id="{1D5A3BE4-F3AC-45CD-81F6-94565F570F9E}" type="slidenum">
               <a:rPr lang="es-ES" smtClean="0"/>
-              <a:t>‹#›</a:t>
+              <a:t>‹Nº›</a:t>
             </a:fld>
             <a:endParaRPr lang="es-ES"/>
           </a:p>
@@ -1299,7 +1299,7 @@
           <a:p>
             <a:fld id="{73F83AE2-63B1-498E-A1B2-81D2F8FBB687}" type="slidenum">
               <a:rPr lang="es-ES" smtClean="0"/>
-              <a:t>‹#›</a:t>
+              <a:t>‹Nº›</a:t>
             </a:fld>
             <a:endParaRPr lang="es-ES"/>
           </a:p>
@@ -1514,7 +1514,7 @@
           <a:p>
             <a:fld id="{1D5A3BE4-F3AC-45CD-81F6-94565F570F9E}" type="slidenum">
               <a:rPr lang="es-ES" smtClean="0"/>
-              <a:t>‹#›</a:t>
+              <a:t>‹Nº›</a:t>
             </a:fld>
             <a:endParaRPr lang="es-ES"/>
           </a:p>
@@ -1817,7 +1817,7 @@
           <a:p>
             <a:fld id="{1D5A3BE4-F3AC-45CD-81F6-94565F570F9E}" type="slidenum">
               <a:rPr lang="es-ES" smtClean="0"/>
-              <a:t>‹#›</a:t>
+              <a:t>‹Nº›</a:t>
             </a:fld>
             <a:endParaRPr lang="es-ES"/>
           </a:p>
@@ -2185,7 +2185,7 @@
           <a:p>
             <a:fld id="{1D5A3BE4-F3AC-45CD-81F6-94565F570F9E}" type="slidenum">
               <a:rPr lang="es-ES" smtClean="0"/>
-              <a:t>‹#›</a:t>
+              <a:t>‹Nº›</a:t>
             </a:fld>
             <a:endParaRPr lang="es-ES"/>
           </a:p>
@@ -2662,7 +2662,7 @@
           <a:p>
             <a:fld id="{1D5A3BE4-F3AC-45CD-81F6-94565F570F9E}" type="slidenum">
               <a:rPr lang="es-ES" smtClean="0"/>
-              <a:t>‹#›</a:t>
+              <a:t>‹Nº›</a:t>
             </a:fld>
             <a:endParaRPr lang="es-ES"/>
           </a:p>
@@ -2780,7 +2780,7 @@
           <a:p>
             <a:fld id="{1D5A3BE4-F3AC-45CD-81F6-94565F570F9E}" type="slidenum">
               <a:rPr lang="es-ES" smtClean="0"/>
-              <a:t>‹#›</a:t>
+              <a:t>‹Nº›</a:t>
             </a:fld>
             <a:endParaRPr lang="es-ES"/>
           </a:p>
@@ -2875,7 +2875,7 @@
           <a:p>
             <a:fld id="{1D5A3BE4-F3AC-45CD-81F6-94565F570F9E}" type="slidenum">
               <a:rPr lang="es-ES" smtClean="0"/>
-              <a:t>‹#›</a:t>
+              <a:t>‹Nº›</a:t>
             </a:fld>
             <a:endParaRPr lang="es-ES"/>
           </a:p>
@@ -3247,7 +3247,7 @@
           <a:p>
             <a:fld id="{1D5A3BE4-F3AC-45CD-81F6-94565F570F9E}" type="slidenum">
               <a:rPr lang="es-ES" smtClean="0"/>
-              <a:t>‹#›</a:t>
+              <a:t>‹Nº›</a:t>
             </a:fld>
             <a:endParaRPr lang="es-ES"/>
           </a:p>
@@ -3635,7 +3635,7 @@
           <a:p>
             <a:fld id="{1D5A3BE4-F3AC-45CD-81F6-94565F570F9E}" type="slidenum">
               <a:rPr lang="es-ES" smtClean="0"/>
-              <a:t>‹#›</a:t>
+              <a:t>‹Nº›</a:t>
             </a:fld>
             <a:endParaRPr lang="es-ES"/>
           </a:p>
@@ -3919,7 +3919,7 @@
           <a:p>
             <a:fld id="{1D5A3BE4-F3AC-45CD-81F6-94565F570F9E}" type="slidenum">
               <a:rPr lang="es-ES" smtClean="0"/>
-              <a:t>‹#›</a:t>
+              <a:t>‹Nº›</a:t>
             </a:fld>
             <a:endParaRPr lang="es-ES"/>
           </a:p>
@@ -4530,7 +4530,7 @@
           <a:p>
             <a:fld id="{73F83AE2-63B1-498E-A1B2-81D2F8FBB687}" type="slidenum">
               <a:rPr lang="es-ES" smtClean="0"/>
-              <a:t>‹#›</a:t>
+              <a:t>‹Nº›</a:t>
             </a:fld>
             <a:endParaRPr lang="es-ES"/>
           </a:p>
@@ -9104,6 +9104,223 @@
   <p:clrMapOvr>
     <a:masterClrMapping/>
   </p:clrMapOvr>
+  <p:timing>
+    <p:tnLst>
+      <p:par>
+        <p:cTn id="1" dur="indefinite" restart="never" nodeType="tmRoot">
+          <p:childTnLst>
+            <p:seq concurrent="1" nextAc="seek">
+              <p:cTn id="2" dur="indefinite" nodeType="mainSeq">
+                <p:childTnLst>
+                  <p:par>
+                    <p:cTn id="3" fill="hold">
+                      <p:stCondLst>
+                        <p:cond delay="indefinite"/>
+                      </p:stCondLst>
+                      <p:childTnLst>
+                        <p:par>
+                          <p:cTn id="4" fill="hold">
+                            <p:stCondLst>
+                              <p:cond delay="0"/>
+                            </p:stCondLst>
+                            <p:childTnLst>
+                              <p:par>
+                                <p:cTn id="5" presetID="1" presetClass="entr" presetSubtype="0" fill="hold" grpId="0" nodeType="clickEffect">
+                                  <p:stCondLst>
+                                    <p:cond delay="0"/>
+                                  </p:stCondLst>
+                                  <p:childTnLst>
+                                    <p:set>
+                                      <p:cBhvr>
+                                        <p:cTn id="6" dur="1" fill="hold">
+                                          <p:stCondLst>
+                                            <p:cond delay="0"/>
+                                          </p:stCondLst>
+                                        </p:cTn>
+                                        <p:tgtEl>
+                                          <p:spTgt spid="3">
+                                            <p:txEl>
+                                              <p:pRg st="1" end="1"/>
+                                            </p:txEl>
+                                          </p:spTgt>
+                                        </p:tgtEl>
+                                        <p:attrNameLst>
+                                          <p:attrName>style.visibility</p:attrName>
+                                        </p:attrNameLst>
+                                      </p:cBhvr>
+                                      <p:to>
+                                        <p:strVal val="visible"/>
+                                      </p:to>
+                                    </p:set>
+                                  </p:childTnLst>
+                                </p:cTn>
+                              </p:par>
+                              <p:par>
+                                <p:cTn id="7" presetID="1" presetClass="entr" presetSubtype="0" fill="hold" grpId="0" nodeType="withEffect">
+                                  <p:stCondLst>
+                                    <p:cond delay="0"/>
+                                  </p:stCondLst>
+                                  <p:childTnLst>
+                                    <p:set>
+                                      <p:cBhvr>
+                                        <p:cTn id="8" dur="1" fill="hold">
+                                          <p:stCondLst>
+                                            <p:cond delay="0"/>
+                                          </p:stCondLst>
+                                        </p:cTn>
+                                        <p:tgtEl>
+                                          <p:spTgt spid="3">
+                                            <p:txEl>
+                                              <p:pRg st="2" end="2"/>
+                                            </p:txEl>
+                                          </p:spTgt>
+                                        </p:tgtEl>
+                                        <p:attrNameLst>
+                                          <p:attrName>style.visibility</p:attrName>
+                                        </p:attrNameLst>
+                                      </p:cBhvr>
+                                      <p:to>
+                                        <p:strVal val="visible"/>
+                                      </p:to>
+                                    </p:set>
+                                  </p:childTnLst>
+                                </p:cTn>
+                              </p:par>
+                            </p:childTnLst>
+                          </p:cTn>
+                        </p:par>
+                      </p:childTnLst>
+                    </p:cTn>
+                  </p:par>
+                  <p:par>
+                    <p:cTn id="9" fill="hold">
+                      <p:stCondLst>
+                        <p:cond delay="indefinite"/>
+                      </p:stCondLst>
+                      <p:childTnLst>
+                        <p:par>
+                          <p:cTn id="10" fill="hold">
+                            <p:stCondLst>
+                              <p:cond delay="0"/>
+                            </p:stCondLst>
+                            <p:childTnLst>
+                              <p:par>
+                                <p:cTn id="11" presetID="1" presetClass="entr" presetSubtype="0" fill="hold" grpId="0" nodeType="clickEffect">
+                                  <p:stCondLst>
+                                    <p:cond delay="0"/>
+                                  </p:stCondLst>
+                                  <p:childTnLst>
+                                    <p:set>
+                                      <p:cBhvr>
+                                        <p:cTn id="12" dur="1" fill="hold">
+                                          <p:stCondLst>
+                                            <p:cond delay="0"/>
+                                          </p:stCondLst>
+                                        </p:cTn>
+                                        <p:tgtEl>
+                                          <p:spTgt spid="3">
+                                            <p:txEl>
+                                              <p:pRg st="3" end="3"/>
+                                            </p:txEl>
+                                          </p:spTgt>
+                                        </p:tgtEl>
+                                        <p:attrNameLst>
+                                          <p:attrName>style.visibility</p:attrName>
+                                        </p:attrNameLst>
+                                      </p:cBhvr>
+                                      <p:to>
+                                        <p:strVal val="visible"/>
+                                      </p:to>
+                                    </p:set>
+                                  </p:childTnLst>
+                                </p:cTn>
+                              </p:par>
+                              <p:par>
+                                <p:cTn id="13" presetID="1" presetClass="entr" presetSubtype="0" fill="hold" nodeType="withEffect">
+                                  <p:stCondLst>
+                                    <p:cond delay="0"/>
+                                  </p:stCondLst>
+                                  <p:childTnLst>
+                                    <p:set>
+                                      <p:cBhvr>
+                                        <p:cTn id="14" dur="1" fill="hold">
+                                          <p:stCondLst>
+                                            <p:cond delay="0"/>
+                                          </p:stCondLst>
+                                        </p:cTn>
+                                        <p:tgtEl>
+                                          <p:spTgt spid="6"/>
+                                        </p:tgtEl>
+                                        <p:attrNameLst>
+                                          <p:attrName>style.visibility</p:attrName>
+                                        </p:attrNameLst>
+                                      </p:cBhvr>
+                                      <p:to>
+                                        <p:strVal val="visible"/>
+                                      </p:to>
+                                    </p:set>
+                                  </p:childTnLst>
+                                </p:cTn>
+                              </p:par>
+                              <p:par>
+                                <p:cTn id="15" presetID="1" presetClass="entr" presetSubtype="0" fill="hold" grpId="0" nodeType="withEffect">
+                                  <p:stCondLst>
+                                    <p:cond delay="0"/>
+                                  </p:stCondLst>
+                                  <p:childTnLst>
+                                    <p:set>
+                                      <p:cBhvr>
+                                        <p:cTn id="16" dur="1" fill="hold">
+                                          <p:stCondLst>
+                                            <p:cond delay="0"/>
+                                          </p:stCondLst>
+                                        </p:cTn>
+                                        <p:tgtEl>
+                                          <p:spTgt spid="10"/>
+                                        </p:tgtEl>
+                                        <p:attrNameLst>
+                                          <p:attrName>style.visibility</p:attrName>
+                                        </p:attrNameLst>
+                                      </p:cBhvr>
+                                      <p:to>
+                                        <p:strVal val="visible"/>
+                                      </p:to>
+                                    </p:set>
+                                  </p:childTnLst>
+                                </p:cTn>
+                              </p:par>
+                            </p:childTnLst>
+                          </p:cTn>
+                        </p:par>
+                      </p:childTnLst>
+                    </p:cTn>
+                  </p:par>
+                </p:childTnLst>
+              </p:cTn>
+              <p:prevCondLst>
+                <p:cond evt="onPrev" delay="0">
+                  <p:tgtEl>
+                    <p:sldTgt/>
+                  </p:tgtEl>
+                </p:cond>
+              </p:prevCondLst>
+              <p:nextCondLst>
+                <p:cond evt="onNext" delay="0">
+                  <p:tgtEl>
+                    <p:sldTgt/>
+                  </p:tgtEl>
+                </p:cond>
+              </p:nextCondLst>
+            </p:seq>
+          </p:childTnLst>
+        </p:cTn>
+      </p:par>
+    </p:tnLst>
+    <p:bldLst>
+      <p:bldP spid="3" grpId="0" uiExpand="1" build="p"/>
+      <p:bldP spid="10" grpId="0"/>
+    </p:bldLst>
+  </p:timing>
 </p:sld>
 </file>
 
